--- a/Poster/Poster_P6.pptx
+++ b/Poster/Poster_P6.pptx
@@ -1497,6 +1497,74 @@
               <a:t>Enn</a:t>
             </a:r>
             <a:endParaRPr lang="de-DE" sz="7200" dirty="0"/>
+          </a:p>
+        </p:txBody>
+      </p:sp>
+      <p:pic>
+        <p:nvPicPr>
+          <p:cNvPr id="6" name="Grafik 5" descr="Ein Bild, das Raum, Uhr enthält.&#10;&#10;Automatisch generierte Beschreibung">
+            <a:extLst>
+              <a:ext uri="{FF2B5EF4-FFF2-40B4-BE49-F238E27FC236}">
+                <a16:creationId xmlns:a16="http://schemas.microsoft.com/office/drawing/2014/main" id="{9C6E8176-D3EF-430A-9ED3-FE6D7CE68393}"/>
+              </a:ext>
+            </a:extLst>
+          </p:cNvPr>
+          <p:cNvPicPr>
+            <a:picLocks noChangeAspect="1"/>
+          </p:cNvPicPr>
+          <p:nvPr/>
+        </p:nvPicPr>
+        <p:blipFill>
+          <a:blip r:embed="rId2">
+            <a:extLst>
+              <a:ext uri="{28A0092B-C50C-407E-A947-70E740481C1C}">
+                <a14:useLocalDpi xmlns:a14="http://schemas.microsoft.com/office/drawing/2010/main" val="0"/>
+              </a:ext>
+            </a:extLst>
+          </a:blip>
+          <a:stretch>
+            <a:fillRect/>
+          </a:stretch>
+        </p:blipFill>
+        <p:spPr>
+          <a:xfrm>
+            <a:off x="2815150" y="6404249"/>
+            <a:ext cx="25238968" cy="16057784"/>
+          </a:xfrm>
+          <a:prstGeom prst="rect">
+            <a:avLst/>
+          </a:prstGeom>
+        </p:spPr>
+      </p:pic>
+      <p:sp>
+        <p:nvSpPr>
+          <p:cNvPr id="7" name="Textfeld 6">
+            <a:extLst>
+              <a:ext uri="{FF2B5EF4-FFF2-40B4-BE49-F238E27FC236}">
+                <a16:creationId xmlns:a16="http://schemas.microsoft.com/office/drawing/2014/main" id="{0995490B-8EB5-4EC8-AC8A-782E2B4F5453}"/>
+              </a:ext>
+            </a:extLst>
+          </p:cNvPr>
+          <p:cNvSpPr txBox="1"/>
+          <p:nvPr/>
+        </p:nvSpPr>
+        <p:spPr>
+          <a:xfrm>
+            <a:off x="3814094" y="6692281"/>
+            <a:ext cx="5040560" cy="2520280"/>
+          </a:xfrm>
+          <a:prstGeom prst="rect">
+            <a:avLst/>
+          </a:prstGeom>
+          <a:noFill/>
+        </p:spPr>
+        <p:txBody>
+          <a:bodyPr wrap="square" rtlCol="0">
+            <a:spAutoFit/>
+          </a:bodyPr>
+          <a:lstStyle/>
+          <a:p>
+            <a:endParaRPr lang="de-CH" dirty="0"/>
           </a:p>
         </p:txBody>
       </p:sp>
@@ -2545,26 +2613,6 @@
 </file>
 
 <file path=customXml/item1.xml><?xml version="1.0" encoding="utf-8"?>
-<?mso-contentType ?>
-<FormTemplates xmlns="http://schemas.microsoft.com/sharepoint/v3/contenttype/forms">
-  <Display>DocumentLibraryForm</Display>
-  <Edit>DocumentLibraryForm</Edit>
-  <New>DocumentLibraryForm</New>
-</FormTemplates>
-</file>
-
-<file path=customXml/item2.xml><?xml version="1.0" encoding="utf-8"?>
-<p:properties xmlns:p="http://schemas.microsoft.com/office/2006/metadata/properties" xmlns:xsi="http://www.w3.org/2001/XMLSchema-instance" xmlns:pc="http://schemas.microsoft.com/office/infopath/2007/PartnerControls">
-  <documentManagement>
-    <da5c1bd0341f43f485c16791cb0d4261 xmlns="c4a6de46-fff0-4b67-b5b8-134b059d306f">
-      <Terms xmlns="http://schemas.microsoft.com/office/infopath/2007/PartnerControls"/>
-    </da5c1bd0341f43f485c16791cb0d4261>
-    <TaxCatchAll xmlns="e4c5f5f2-958c-44bd-9179-f1c43ce55659"/>
-  </documentManagement>
-</p:properties>
-</file>
-
-<file path=customXml/item3.xml><?xml version="1.0" encoding="utf-8"?>
 <ct:contentTypeSchema xmlns:ct="http://schemas.microsoft.com/office/2006/metadata/contentType" xmlns:ma="http://schemas.microsoft.com/office/2006/metadata/properties/metaAttributes" ct:_="" ma:_="" ma:contentTypeName="Dokumente Themengruppe" ma:contentTypeID="0x010100A280BD1F50BF264FB671D244962B2ECA0068E9B686BF45F24FB9EC1F49911B61EB" ma:contentTypeVersion="3" ma:contentTypeDescription="" ma:contentTypeScope="" ma:versionID="0a8dd9b638c56bffcef12644a15d3638">
   <xsd:schema xmlns:xsd="http://www.w3.org/2001/XMLSchema" xmlns:xs="http://www.w3.org/2001/XMLSchema" xmlns:p="http://schemas.microsoft.com/office/2006/metadata/properties" xmlns:ns2="c4a6de46-fff0-4b67-b5b8-134b059d306f" xmlns:ns3="e4c5f5f2-958c-44bd-9179-f1c43ce55659" targetNamespace="http://schemas.microsoft.com/office/2006/metadata/properties" ma:root="true" ma:fieldsID="5544fac13f74e606fb1ce610a2b826dc" ns2:_="" ns3:_="">
     <xsd:import namespace="c4a6de46-fff0-4b67-b5b8-134b059d306f"/>
@@ -2721,10 +2769,41 @@
 </ct:contentTypeSchema>
 </file>
 
+<file path=customXml/item2.xml><?xml version="1.0" encoding="utf-8"?>
+<p:properties xmlns:p="http://schemas.microsoft.com/office/2006/metadata/properties" xmlns:xsi="http://www.w3.org/2001/XMLSchema-instance" xmlns:pc="http://schemas.microsoft.com/office/infopath/2007/PartnerControls">
+  <documentManagement>
+    <da5c1bd0341f43f485c16791cb0d4261 xmlns="c4a6de46-fff0-4b67-b5b8-134b059d306f">
+      <Terms xmlns="http://schemas.microsoft.com/office/infopath/2007/PartnerControls"/>
+    </da5c1bd0341f43f485c16791cb0d4261>
+    <TaxCatchAll xmlns="e4c5f5f2-958c-44bd-9179-f1c43ce55659"/>
+  </documentManagement>
+</p:properties>
+</file>
+
+<file path=customXml/item3.xml><?xml version="1.0" encoding="utf-8"?>
+<?mso-contentType ?>
+<FormTemplates xmlns="http://schemas.microsoft.com/sharepoint/v3/contenttype/forms">
+  <Display>DocumentLibraryForm</Display>
+  <Edit>DocumentLibraryForm</Edit>
+  <New>DocumentLibraryForm</New>
+</FormTemplates>
+</file>
+
 <file path=customXml/itemProps1.xml><?xml version="1.0" encoding="utf-8"?>
-<ds:datastoreItem xmlns:ds="http://schemas.openxmlformats.org/officeDocument/2006/customXml" ds:itemID="{142E819D-5874-4DBC-9B92-1796538D786B}">
+<ds:datastoreItem xmlns:ds="http://schemas.openxmlformats.org/officeDocument/2006/customXml" ds:itemID="{A1AAD0FD-F2D6-4F66-8ABE-C522907F082E}">
   <ds:schemaRefs>
-    <ds:schemaRef ds:uri="http://schemas.microsoft.com/sharepoint/v3/contenttype/forms"/>
+    <ds:schemaRef ds:uri="http://schemas.microsoft.com/office/2006/metadata/contentType"/>
+    <ds:schemaRef ds:uri="http://schemas.microsoft.com/office/2006/metadata/properties/metaAttributes"/>
+    <ds:schemaRef ds:uri="http://www.w3.org/2001/XMLSchema"/>
+    <ds:schemaRef ds:uri="http://schemas.microsoft.com/office/2006/metadata/properties"/>
+    <ds:schemaRef ds:uri="c4a6de46-fff0-4b67-b5b8-134b059d306f"/>
+    <ds:schemaRef ds:uri="e4c5f5f2-958c-44bd-9179-f1c43ce55659"/>
+    <ds:schemaRef ds:uri="http://schemas.microsoft.com/office/2006/documentManagement/types"/>
+    <ds:schemaRef ds:uri="http://schemas.microsoft.com/office/infopath/2007/PartnerControls"/>
+    <ds:schemaRef ds:uri="http://schemas.openxmlformats.org/package/2006/metadata/core-properties"/>
+    <ds:schemaRef ds:uri="http://purl.org/dc/elements/1.1/"/>
+    <ds:schemaRef ds:uri="http://purl.org/dc/terms/"/>
+    <ds:schemaRef ds:uri="http://schemas.microsoft.com/internal/obd"/>
   </ds:schemaRefs>
 </ds:datastoreItem>
 </file>
@@ -2747,20 +2826,9 @@
 </file>
 
 <file path=customXml/itemProps3.xml><?xml version="1.0" encoding="utf-8"?>
-<ds:datastoreItem xmlns:ds="http://schemas.openxmlformats.org/officeDocument/2006/customXml" ds:itemID="{A1AAD0FD-F2D6-4F66-8ABE-C522907F082E}">
+<ds:datastoreItem xmlns:ds="http://schemas.openxmlformats.org/officeDocument/2006/customXml" ds:itemID="{142E819D-5874-4DBC-9B92-1796538D786B}">
   <ds:schemaRefs>
-    <ds:schemaRef ds:uri="http://schemas.microsoft.com/office/2006/metadata/contentType"/>
-    <ds:schemaRef ds:uri="http://schemas.microsoft.com/office/2006/metadata/properties/metaAttributes"/>
-    <ds:schemaRef ds:uri="http://www.w3.org/2001/XMLSchema"/>
-    <ds:schemaRef ds:uri="http://schemas.microsoft.com/office/2006/metadata/properties"/>
-    <ds:schemaRef ds:uri="c4a6de46-fff0-4b67-b5b8-134b059d306f"/>
-    <ds:schemaRef ds:uri="e4c5f5f2-958c-44bd-9179-f1c43ce55659"/>
-    <ds:schemaRef ds:uri="http://schemas.microsoft.com/office/2006/documentManagement/types"/>
-    <ds:schemaRef ds:uri="http://schemas.microsoft.com/office/infopath/2007/PartnerControls"/>
-    <ds:schemaRef ds:uri="http://schemas.openxmlformats.org/package/2006/metadata/core-properties"/>
-    <ds:schemaRef ds:uri="http://purl.org/dc/elements/1.1/"/>
-    <ds:schemaRef ds:uri="http://purl.org/dc/terms/"/>
-    <ds:schemaRef ds:uri="http://schemas.microsoft.com/internal/obd"/>
+    <ds:schemaRef ds:uri="http://schemas.microsoft.com/sharepoint/v3/contenttype/forms"/>
   </ds:schemaRefs>
 </ds:datastoreItem>
 </file>
--- a/Poster/Poster_P6.pptx
+++ b/Poster/Poster_P6.pptx
@@ -1528,8 +1528,8 @@
         </p:blipFill>
         <p:spPr>
           <a:xfrm>
-            <a:off x="2815150" y="6404249"/>
-            <a:ext cx="25238968" cy="16057784"/>
+            <a:off x="4446872" y="6342791"/>
+            <a:ext cx="21344956" cy="13580298"/>
           </a:xfrm>
           <a:prstGeom prst="rect">
             <a:avLst/>
@@ -1550,8 +1550,8 @@
         </p:nvSpPr>
         <p:spPr>
           <a:xfrm>
-            <a:off x="3814094" y="6692281"/>
-            <a:ext cx="5040560" cy="2520280"/>
+            <a:off x="7772204" y="3307905"/>
+            <a:ext cx="22466496" cy="830997"/>
           </a:xfrm>
           <a:prstGeom prst="rect">
             <a:avLst/>
@@ -1564,7 +1564,209 @@
           </a:bodyPr>
           <a:lstStyle/>
           <a:p>
-            <a:endParaRPr lang="de-CH" dirty="0"/>
+            <a:r>
+              <a:rPr lang="de-DE" sz="4800" b="1" dirty="0"/>
+              <a:t>Sensor/Aktor-Plattform für die Raumautomation</a:t>
+            </a:r>
+            <a:endParaRPr lang="de-CH" sz="4800" b="1" dirty="0"/>
+          </a:p>
+        </p:txBody>
+      </p:sp>
+      <p:pic>
+        <p:nvPicPr>
+          <p:cNvPr id="2" name="Grafik 1">
+            <a:extLst>
+              <a:ext uri="{FF2B5EF4-FFF2-40B4-BE49-F238E27FC236}">
+                <a16:creationId xmlns:a16="http://schemas.microsoft.com/office/drawing/2014/main" id="{611CB91C-E095-4C58-83EB-0A0AFD454888}"/>
+              </a:ext>
+            </a:extLst>
+          </p:cNvPr>
+          <p:cNvPicPr>
+            <a:picLocks noChangeAspect="1"/>
+          </p:cNvPicPr>
+          <p:nvPr/>
+        </p:nvPicPr>
+        <p:blipFill>
+          <a:blip r:embed="rId3"/>
+          <a:stretch>
+            <a:fillRect/>
+          </a:stretch>
+        </p:blipFill>
+        <p:spPr>
+          <a:xfrm>
+            <a:off x="16127462" y="21597937"/>
+            <a:ext cx="11016658" cy="6405563"/>
+          </a:xfrm>
+          <a:prstGeom prst="rect">
+            <a:avLst/>
+          </a:prstGeom>
+        </p:spPr>
+      </p:pic>
+      <p:pic>
+        <p:nvPicPr>
+          <p:cNvPr id="5" name="Grafik 4">
+            <a:extLst>
+              <a:ext uri="{FF2B5EF4-FFF2-40B4-BE49-F238E27FC236}">
+                <a16:creationId xmlns:a16="http://schemas.microsoft.com/office/drawing/2014/main" id="{E4EC5703-B55D-4E97-A6DF-F8AB5B1E5BD0}"/>
+              </a:ext>
+            </a:extLst>
+          </p:cNvPr>
+          <p:cNvPicPr>
+            <a:picLocks noChangeAspect="1"/>
+          </p:cNvPicPr>
+          <p:nvPr/>
+        </p:nvPicPr>
+        <p:blipFill>
+          <a:blip r:embed="rId4"/>
+          <a:stretch>
+            <a:fillRect/>
+          </a:stretch>
+        </p:blipFill>
+        <p:spPr>
+          <a:xfrm>
+            <a:off x="2948208" y="20672993"/>
+            <a:ext cx="12176320" cy="8728480"/>
+          </a:xfrm>
+          <a:prstGeom prst="rect">
+            <a:avLst/>
+          </a:prstGeom>
+        </p:spPr>
+      </p:pic>
+      <p:sp>
+        <p:nvSpPr>
+          <p:cNvPr id="8" name="Textfeld 7">
+            <a:extLst>
+              <a:ext uri="{FF2B5EF4-FFF2-40B4-BE49-F238E27FC236}">
+                <a16:creationId xmlns:a16="http://schemas.microsoft.com/office/drawing/2014/main" id="{3096AE53-42E6-48D5-8811-B4BE3E38068B}"/>
+              </a:ext>
+            </a:extLst>
+          </p:cNvPr>
+          <p:cNvSpPr txBox="1"/>
+          <p:nvPr/>
+        </p:nvSpPr>
+        <p:spPr>
+          <a:xfrm>
+            <a:off x="3631547" y="30151377"/>
+            <a:ext cx="23007837" cy="4031873"/>
+          </a:xfrm>
+          <a:prstGeom prst="rect">
+            <a:avLst/>
+          </a:prstGeom>
+        </p:spPr>
+        <p:style>
+          <a:lnRef idx="2">
+            <a:schemeClr val="dk1"/>
+          </a:lnRef>
+          <a:fillRef idx="1">
+            <a:schemeClr val="lt1"/>
+          </a:fillRef>
+          <a:effectRef idx="0">
+            <a:schemeClr val="dk1"/>
+          </a:effectRef>
+          <a:fontRef idx="minor">
+            <a:schemeClr val="dk1"/>
+          </a:fontRef>
+        </p:style>
+        <p:txBody>
+          <a:bodyPr wrap="none" rtlCol="0">
+            <a:spAutoFit/>
+          </a:bodyPr>
+          <a:lstStyle/>
+          <a:p>
+            <a:pPr marL="457200" indent="-457200" algn="just">
+              <a:buFont typeface="Arial" panose="020B0604020202020204" pitchFamily="34" charset="0"/>
+              <a:buChar char="•"/>
+            </a:pPr>
+            <a:r>
+              <a:rPr lang="de-CH" sz="3200" dirty="0"/>
+              <a:t>Es soll, mittels eines WLAN-Netzwerkes, eine preisgünstige Raumautomation ermöglicht werden.</a:t>
+            </a:r>
+          </a:p>
+          <a:p>
+            <a:pPr marL="457200" indent="-457200" algn="just">
+              <a:buFont typeface="Arial" panose="020B0604020202020204" pitchFamily="34" charset="0"/>
+              <a:buChar char="•"/>
+            </a:pPr>
+            <a:r>
+              <a:rPr lang="de-CH" sz="3200" dirty="0"/>
+              <a:t>Mit dem Netzwerk verbunden sind der Raspberry Pi Server sowie der Aktor- und Sensorbaustein.</a:t>
+            </a:r>
+          </a:p>
+          <a:p>
+            <a:pPr marL="457200" indent="-457200" algn="just">
+              <a:buFont typeface="Arial" panose="020B0604020202020204" pitchFamily="34" charset="0"/>
+              <a:buChar char="•"/>
+            </a:pPr>
+            <a:r>
+              <a:rPr lang="de-CH" sz="3200" dirty="0"/>
+              <a:t>Sensoren und Aktoren können an den </a:t>
+            </a:r>
+            <a:r>
+              <a:rPr lang="de-CH" sz="3200" dirty="0" err="1"/>
+              <a:t>Aktorbaustein</a:t>
+            </a:r>
+            <a:r>
+              <a:rPr lang="de-CH" sz="3200" dirty="0"/>
+              <a:t> angeschlossen werden, um sie in die Raumautomation zu integrieren. </a:t>
+            </a:r>
+          </a:p>
+          <a:p>
+            <a:pPr marL="457200" indent="-457200" algn="just">
+              <a:buFont typeface="Arial" panose="020B0604020202020204" pitchFamily="34" charset="0"/>
+              <a:buChar char="•"/>
+            </a:pPr>
+            <a:r>
+              <a:rPr lang="de-CH" sz="3200" dirty="0"/>
+              <a:t>Der Sensorbaustein nimmt die Temperatur und Tastsignale auf, damit können Aktoren geschaltet werden. </a:t>
+            </a:r>
+          </a:p>
+          <a:p>
+            <a:pPr marL="457200" indent="-457200" algn="just">
+              <a:buFont typeface="Arial" panose="020B0604020202020204" pitchFamily="34" charset="0"/>
+              <a:buChar char="•"/>
+            </a:pPr>
+            <a:r>
+              <a:rPr lang="de-CH" sz="3200" dirty="0"/>
+              <a:t>Der Sensorbaustein wird wie eine Steckdose verbaut und bietet vier </a:t>
+            </a:r>
+            <a:r>
+              <a:rPr lang="de-CH" sz="3200" dirty="0" err="1"/>
+              <a:t>Touchtasten</a:t>
+            </a:r>
+            <a:r>
+              <a:rPr lang="de-CH" sz="3200" dirty="0"/>
+              <a:t> an (neues Design). </a:t>
+            </a:r>
+          </a:p>
+          <a:p>
+            <a:pPr marL="457200" indent="-457200" algn="just">
+              <a:buFont typeface="Arial" panose="020B0604020202020204" pitchFamily="34" charset="0"/>
+              <a:buChar char="•"/>
+            </a:pPr>
+            <a:r>
+              <a:rPr lang="de-CH" sz="3200" dirty="0"/>
+              <a:t>Darüber hinaus ist es möglich mit einem Mobiltelefon oder PC in die Raumautomation zu verwalten. </a:t>
+            </a:r>
+          </a:p>
+          <a:p>
+            <a:pPr marL="457200" indent="-457200" algn="just">
+              <a:buFont typeface="Arial" panose="020B0604020202020204" pitchFamily="34" charset="0"/>
+              <a:buChar char="•"/>
+            </a:pPr>
+            <a:r>
+              <a:rPr lang="de-CH" sz="3200" dirty="0"/>
+              <a:t>Mithilfe einer Sprachsteuerung lässt sich zusätzlich der Komfort einer Raumautomation steigern.</a:t>
+            </a:r>
+          </a:p>
+          <a:p>
+            <a:pPr marL="457200" indent="-457200" algn="just">
+              <a:buFont typeface="Arial" panose="020B0604020202020204" pitchFamily="34" charset="0"/>
+              <a:buChar char="•"/>
+            </a:pPr>
+            <a:r>
+              <a:rPr lang="de-CH" sz="3200" dirty="0"/>
+              <a:t>Es lässt sich jeder bestehender Raum mithilfe dieser günstigen Raumautomationsplattform aufrüsten.</a:t>
+            </a:r>
           </a:p>
         </p:txBody>
       </p:sp>
@@ -2613,6 +2815,26 @@
 </file>
 
 <file path=customXml/item1.xml><?xml version="1.0" encoding="utf-8"?>
+<?mso-contentType ?>
+<FormTemplates xmlns="http://schemas.microsoft.com/sharepoint/v3/contenttype/forms">
+  <Display>DocumentLibraryForm</Display>
+  <Edit>DocumentLibraryForm</Edit>
+  <New>DocumentLibraryForm</New>
+</FormTemplates>
+</file>
+
+<file path=customXml/item2.xml><?xml version="1.0" encoding="utf-8"?>
+<p:properties xmlns:p="http://schemas.microsoft.com/office/2006/metadata/properties" xmlns:xsi="http://www.w3.org/2001/XMLSchema-instance" xmlns:pc="http://schemas.microsoft.com/office/infopath/2007/PartnerControls">
+  <documentManagement>
+    <da5c1bd0341f43f485c16791cb0d4261 xmlns="c4a6de46-fff0-4b67-b5b8-134b059d306f">
+      <Terms xmlns="http://schemas.microsoft.com/office/infopath/2007/PartnerControls"/>
+    </da5c1bd0341f43f485c16791cb0d4261>
+    <TaxCatchAll xmlns="e4c5f5f2-958c-44bd-9179-f1c43ce55659"/>
+  </documentManagement>
+</p:properties>
+</file>
+
+<file path=customXml/item3.xml><?xml version="1.0" encoding="utf-8"?>
 <ct:contentTypeSchema xmlns:ct="http://schemas.microsoft.com/office/2006/metadata/contentType" xmlns:ma="http://schemas.microsoft.com/office/2006/metadata/properties/metaAttributes" ct:_="" ma:_="" ma:contentTypeName="Dokumente Themengruppe" ma:contentTypeID="0x010100A280BD1F50BF264FB671D244962B2ECA0068E9B686BF45F24FB9EC1F49911B61EB" ma:contentTypeVersion="3" ma:contentTypeDescription="" ma:contentTypeScope="" ma:versionID="0a8dd9b638c56bffcef12644a15d3638">
   <xsd:schema xmlns:xsd="http://www.w3.org/2001/XMLSchema" xmlns:xs="http://www.w3.org/2001/XMLSchema" xmlns:p="http://schemas.microsoft.com/office/2006/metadata/properties" xmlns:ns2="c4a6de46-fff0-4b67-b5b8-134b059d306f" xmlns:ns3="e4c5f5f2-958c-44bd-9179-f1c43ce55659" targetNamespace="http://schemas.microsoft.com/office/2006/metadata/properties" ma:root="true" ma:fieldsID="5544fac13f74e606fb1ce610a2b826dc" ns2:_="" ns3:_="">
     <xsd:import namespace="c4a6de46-fff0-4b67-b5b8-134b059d306f"/>
@@ -2769,41 +2991,10 @@
 </ct:contentTypeSchema>
 </file>
 
-<file path=customXml/item2.xml><?xml version="1.0" encoding="utf-8"?>
-<p:properties xmlns:p="http://schemas.microsoft.com/office/2006/metadata/properties" xmlns:xsi="http://www.w3.org/2001/XMLSchema-instance" xmlns:pc="http://schemas.microsoft.com/office/infopath/2007/PartnerControls">
-  <documentManagement>
-    <da5c1bd0341f43f485c16791cb0d4261 xmlns="c4a6de46-fff0-4b67-b5b8-134b059d306f">
-      <Terms xmlns="http://schemas.microsoft.com/office/infopath/2007/PartnerControls"/>
-    </da5c1bd0341f43f485c16791cb0d4261>
-    <TaxCatchAll xmlns="e4c5f5f2-958c-44bd-9179-f1c43ce55659"/>
-  </documentManagement>
-</p:properties>
-</file>
-
-<file path=customXml/item3.xml><?xml version="1.0" encoding="utf-8"?>
-<?mso-contentType ?>
-<FormTemplates xmlns="http://schemas.microsoft.com/sharepoint/v3/contenttype/forms">
-  <Display>DocumentLibraryForm</Display>
-  <Edit>DocumentLibraryForm</Edit>
-  <New>DocumentLibraryForm</New>
-</FormTemplates>
-</file>
-
 <file path=customXml/itemProps1.xml><?xml version="1.0" encoding="utf-8"?>
-<ds:datastoreItem xmlns:ds="http://schemas.openxmlformats.org/officeDocument/2006/customXml" ds:itemID="{A1AAD0FD-F2D6-4F66-8ABE-C522907F082E}">
+<ds:datastoreItem xmlns:ds="http://schemas.openxmlformats.org/officeDocument/2006/customXml" ds:itemID="{142E819D-5874-4DBC-9B92-1796538D786B}">
   <ds:schemaRefs>
-    <ds:schemaRef ds:uri="http://schemas.microsoft.com/office/2006/metadata/contentType"/>
-    <ds:schemaRef ds:uri="http://schemas.microsoft.com/office/2006/metadata/properties/metaAttributes"/>
-    <ds:schemaRef ds:uri="http://www.w3.org/2001/XMLSchema"/>
-    <ds:schemaRef ds:uri="http://schemas.microsoft.com/office/2006/metadata/properties"/>
-    <ds:schemaRef ds:uri="c4a6de46-fff0-4b67-b5b8-134b059d306f"/>
-    <ds:schemaRef ds:uri="e4c5f5f2-958c-44bd-9179-f1c43ce55659"/>
-    <ds:schemaRef ds:uri="http://schemas.microsoft.com/office/2006/documentManagement/types"/>
-    <ds:schemaRef ds:uri="http://schemas.microsoft.com/office/infopath/2007/PartnerControls"/>
-    <ds:schemaRef ds:uri="http://schemas.openxmlformats.org/package/2006/metadata/core-properties"/>
-    <ds:schemaRef ds:uri="http://purl.org/dc/elements/1.1/"/>
-    <ds:schemaRef ds:uri="http://purl.org/dc/terms/"/>
-    <ds:schemaRef ds:uri="http://schemas.microsoft.com/internal/obd"/>
+    <ds:schemaRef ds:uri="http://schemas.microsoft.com/sharepoint/v3/contenttype/forms"/>
   </ds:schemaRefs>
 </ds:datastoreItem>
 </file>
@@ -2826,9 +3017,20 @@
 </file>
 
 <file path=customXml/itemProps3.xml><?xml version="1.0" encoding="utf-8"?>
-<ds:datastoreItem xmlns:ds="http://schemas.openxmlformats.org/officeDocument/2006/customXml" ds:itemID="{142E819D-5874-4DBC-9B92-1796538D786B}">
+<ds:datastoreItem xmlns:ds="http://schemas.openxmlformats.org/officeDocument/2006/customXml" ds:itemID="{A1AAD0FD-F2D6-4F66-8ABE-C522907F082E}">
   <ds:schemaRefs>
-    <ds:schemaRef ds:uri="http://schemas.microsoft.com/sharepoint/v3/contenttype/forms"/>
+    <ds:schemaRef ds:uri="http://schemas.microsoft.com/office/2006/metadata/contentType"/>
+    <ds:schemaRef ds:uri="http://schemas.microsoft.com/office/2006/metadata/properties/metaAttributes"/>
+    <ds:schemaRef ds:uri="http://www.w3.org/2001/XMLSchema"/>
+    <ds:schemaRef ds:uri="http://schemas.microsoft.com/office/2006/metadata/properties"/>
+    <ds:schemaRef ds:uri="c4a6de46-fff0-4b67-b5b8-134b059d306f"/>
+    <ds:schemaRef ds:uri="e4c5f5f2-958c-44bd-9179-f1c43ce55659"/>
+    <ds:schemaRef ds:uri="http://schemas.microsoft.com/office/2006/documentManagement/types"/>
+    <ds:schemaRef ds:uri="http://schemas.microsoft.com/office/infopath/2007/PartnerControls"/>
+    <ds:schemaRef ds:uri="http://schemas.openxmlformats.org/package/2006/metadata/core-properties"/>
+    <ds:schemaRef ds:uri="http://purl.org/dc/elements/1.1/"/>
+    <ds:schemaRef ds:uri="http://purl.org/dc/terms/"/>
+    <ds:schemaRef ds:uri="http://schemas.microsoft.com/internal/obd"/>
   </ds:schemaRefs>
 </ds:datastoreItem>
 </file>
--- a/Poster/Poster_P6.pptx
+++ b/Poster/Poster_P6.pptx
@@ -1528,8 +1528,8 @@
         </p:blipFill>
         <p:spPr>
           <a:xfrm>
-            <a:off x="4446872" y="6342791"/>
-            <a:ext cx="21344956" cy="13580298"/>
+            <a:off x="3615432" y="5290915"/>
+            <a:ext cx="23007836" cy="14638272"/>
           </a:xfrm>
           <a:prstGeom prst="rect">
             <a:avLst/>
@@ -1572,66 +1572,6 @@
           </a:p>
         </p:txBody>
       </p:sp>
-      <p:pic>
-        <p:nvPicPr>
-          <p:cNvPr id="2" name="Grafik 1">
-            <a:extLst>
-              <a:ext uri="{FF2B5EF4-FFF2-40B4-BE49-F238E27FC236}">
-                <a16:creationId xmlns:a16="http://schemas.microsoft.com/office/drawing/2014/main" id="{611CB91C-E095-4C58-83EB-0A0AFD454888}"/>
-              </a:ext>
-            </a:extLst>
-          </p:cNvPr>
-          <p:cNvPicPr>
-            <a:picLocks noChangeAspect="1"/>
-          </p:cNvPicPr>
-          <p:nvPr/>
-        </p:nvPicPr>
-        <p:blipFill>
-          <a:blip r:embed="rId3"/>
-          <a:stretch>
-            <a:fillRect/>
-          </a:stretch>
-        </p:blipFill>
-        <p:spPr>
-          <a:xfrm>
-            <a:off x="16127462" y="21597937"/>
-            <a:ext cx="11016658" cy="6405563"/>
-          </a:xfrm>
-          <a:prstGeom prst="rect">
-            <a:avLst/>
-          </a:prstGeom>
-        </p:spPr>
-      </p:pic>
-      <p:pic>
-        <p:nvPicPr>
-          <p:cNvPr id="5" name="Grafik 4">
-            <a:extLst>
-              <a:ext uri="{FF2B5EF4-FFF2-40B4-BE49-F238E27FC236}">
-                <a16:creationId xmlns:a16="http://schemas.microsoft.com/office/drawing/2014/main" id="{E4EC5703-B55D-4E97-A6DF-F8AB5B1E5BD0}"/>
-              </a:ext>
-            </a:extLst>
-          </p:cNvPr>
-          <p:cNvPicPr>
-            <a:picLocks noChangeAspect="1"/>
-          </p:cNvPicPr>
-          <p:nvPr/>
-        </p:nvPicPr>
-        <p:blipFill>
-          <a:blip r:embed="rId4"/>
-          <a:stretch>
-            <a:fillRect/>
-          </a:stretch>
-        </p:blipFill>
-        <p:spPr>
-          <a:xfrm>
-            <a:off x="2948208" y="20672993"/>
-            <a:ext cx="12176320" cy="8728480"/>
-          </a:xfrm>
-          <a:prstGeom prst="rect">
-            <a:avLst/>
-          </a:prstGeom>
-        </p:spPr>
-      </p:pic>
       <p:sp>
         <p:nvSpPr>
           <p:cNvPr id="8" name="Textfeld 7">
@@ -1646,7 +1586,7 @@
         </p:nvSpPr>
         <p:spPr>
           <a:xfrm>
-            <a:off x="3631547" y="30151377"/>
+            <a:off x="3166020" y="20229785"/>
             <a:ext cx="23007837" cy="4031873"/>
           </a:xfrm>
           <a:prstGeom prst="rect">
@@ -1678,7 +1618,11 @@
               <a:buChar char="•"/>
             </a:pPr>
             <a:r>
-              <a:rPr lang="de-CH" sz="3200" dirty="0"/>
+              <a:rPr lang="de-CH" sz="3200" dirty="0">
+                <a:solidFill>
+                  <a:srgbClr val="00B0F0"/>
+                </a:solidFill>
+              </a:rPr>
               <a:t>Es soll, mittels eines WLAN-Netzwerkes, eine preisgünstige Raumautomation ermöglicht werden.</a:t>
             </a:r>
           </a:p>
@@ -1688,7 +1632,11 @@
               <a:buChar char="•"/>
             </a:pPr>
             <a:r>
-              <a:rPr lang="de-CH" sz="3200" dirty="0"/>
+              <a:rPr lang="de-CH" sz="3200" dirty="0">
+                <a:solidFill>
+                  <a:srgbClr val="00B0F0"/>
+                </a:solidFill>
+              </a:rPr>
               <a:t>Mit dem Netzwerk verbunden sind der Raspberry Pi Server sowie der Aktor- und Sensorbaustein.</a:t>
             </a:r>
           </a:p>
@@ -1698,15 +1646,27 @@
               <a:buChar char="•"/>
             </a:pPr>
             <a:r>
-              <a:rPr lang="de-CH" sz="3200" dirty="0"/>
+              <a:rPr lang="de-CH" sz="3200" dirty="0">
+                <a:solidFill>
+                  <a:srgbClr val="00B0F0"/>
+                </a:solidFill>
+              </a:rPr>
               <a:t>Sensoren und Aktoren können an den </a:t>
             </a:r>
             <a:r>
-              <a:rPr lang="de-CH" sz="3200" dirty="0" err="1"/>
+              <a:rPr lang="de-CH" sz="3200" dirty="0" err="1">
+                <a:solidFill>
+                  <a:srgbClr val="00B0F0"/>
+                </a:solidFill>
+              </a:rPr>
               <a:t>Aktorbaustein</a:t>
             </a:r>
             <a:r>
-              <a:rPr lang="de-CH" sz="3200" dirty="0"/>
+              <a:rPr lang="de-CH" sz="3200" dirty="0">
+                <a:solidFill>
+                  <a:srgbClr val="00B0F0"/>
+                </a:solidFill>
+              </a:rPr>
               <a:t> angeschlossen werden, um sie in die Raumautomation zu integrieren. </a:t>
             </a:r>
           </a:p>
@@ -1716,8 +1676,12 @@
               <a:buChar char="•"/>
             </a:pPr>
             <a:r>
-              <a:rPr lang="de-CH" sz="3200" dirty="0"/>
-              <a:t>Der Sensorbaustein nimmt die Temperatur und Tastsignale auf, damit können Aktoren geschaltet werden. </a:t>
+              <a:rPr lang="de-CH" sz="3200" dirty="0">
+                <a:solidFill>
+                  <a:srgbClr val="00B0F0"/>
+                </a:solidFill>
+              </a:rPr>
+              <a:t>Der Sensorbaustein nimmt die Temperatur und Tastsignale auf, damit können Aktoren geschaltet werden.</a:t>
             </a:r>
           </a:p>
           <a:p>
@@ -1726,16 +1690,12 @@
               <a:buChar char="•"/>
             </a:pPr>
             <a:r>
-              <a:rPr lang="de-CH" sz="3200" dirty="0"/>
-              <a:t>Der Sensorbaustein wird wie eine Steckdose verbaut und bietet vier </a:t>
-            </a:r>
-            <a:r>
-              <a:rPr lang="de-CH" sz="3200" dirty="0" err="1"/>
-              <a:t>Touchtasten</a:t>
-            </a:r>
-            <a:r>
-              <a:rPr lang="de-CH" sz="3200" dirty="0"/>
-              <a:t> an (neues Design). </a:t>
+              <a:rPr lang="de-CH" sz="3200" dirty="0">
+                <a:solidFill>
+                  <a:srgbClr val="00B0F0"/>
+                </a:solidFill>
+              </a:rPr>
+              <a:t>Mithilfe einer Sprachsteuerung lässt sich zusätzlich der Komfort einer Raumautomation steigern.</a:t>
             </a:r>
           </a:p>
           <a:p>
@@ -1744,8 +1704,12 @@
               <a:buChar char="•"/>
             </a:pPr>
             <a:r>
-              <a:rPr lang="de-CH" sz="3200" dirty="0"/>
-              <a:t>Darüber hinaus ist es möglich mit einem Mobiltelefon oder PC in die Raumautomation zu verwalten. </a:t>
+              <a:rPr lang="de-CH" sz="3200" dirty="0">
+                <a:solidFill>
+                  <a:srgbClr val="00B0F0"/>
+                </a:solidFill>
+              </a:rPr>
+              <a:t>Es ist möglich mit einem Mobiltelefon oder PC in die Raumautomation zu verwalten.</a:t>
             </a:r>
           </a:p>
           <a:p>
@@ -1754,8 +1718,28 @@
               <a:buChar char="•"/>
             </a:pPr>
             <a:r>
-              <a:rPr lang="de-CH" sz="3200" dirty="0"/>
-              <a:t>Mithilfe einer Sprachsteuerung lässt sich zusätzlich der Komfort einer Raumautomation steigern.</a:t>
+              <a:rPr lang="de-CH" sz="3200" dirty="0">
+                <a:solidFill>
+                  <a:srgbClr val="00B050"/>
+                </a:solidFill>
+              </a:rPr>
+              <a:t>Der Sensorbaustein wird wie eine Steckdose verbaut und bietet vier </a:t>
+            </a:r>
+            <a:r>
+              <a:rPr lang="de-CH" sz="3200" dirty="0" err="1">
+                <a:solidFill>
+                  <a:srgbClr val="00B050"/>
+                </a:solidFill>
+              </a:rPr>
+              <a:t>Touchtasten</a:t>
+            </a:r>
+            <a:r>
+              <a:rPr lang="de-CH" sz="3200" dirty="0">
+                <a:solidFill>
+                  <a:srgbClr val="00B050"/>
+                </a:solidFill>
+              </a:rPr>
+              <a:t> an (neues Design).</a:t>
             </a:r>
           </a:p>
           <a:p>
@@ -1764,12 +1748,88 @@
               <a:buChar char="•"/>
             </a:pPr>
             <a:r>
-              <a:rPr lang="de-CH" sz="3200" dirty="0"/>
+              <a:rPr lang="de-CH" sz="3200" dirty="0">
+                <a:solidFill>
+                  <a:srgbClr val="7030A0"/>
+                </a:solidFill>
+              </a:rPr>
               <a:t>Es lässt sich jeder bestehender Raum mithilfe dieser günstigen Raumautomationsplattform aufrüsten.</a:t>
             </a:r>
           </a:p>
         </p:txBody>
       </p:sp>
+      <p:pic>
+        <p:nvPicPr>
+          <p:cNvPr id="30" name="Grafik 29" descr="Ein Bild, das Karte, Text enthält.&#10;&#10;Automatisch generierte Beschreibung">
+            <a:extLst>
+              <a:ext uri="{FF2B5EF4-FFF2-40B4-BE49-F238E27FC236}">
+                <a16:creationId xmlns:a16="http://schemas.microsoft.com/office/drawing/2014/main" id="{E55C15BA-5151-4A57-BF45-362A13D107AC}"/>
+              </a:ext>
+            </a:extLst>
+          </p:cNvPr>
+          <p:cNvPicPr>
+            <a:picLocks noChangeAspect="1"/>
+          </p:cNvPicPr>
+          <p:nvPr/>
+        </p:nvPicPr>
+        <p:blipFill>
+          <a:blip r:embed="rId3">
+            <a:extLst>
+              <a:ext uri="{28A0092B-C50C-407E-A947-70E740481C1C}">
+                <a14:useLocalDpi xmlns:a14="http://schemas.microsoft.com/office/drawing/2010/main" val="0"/>
+              </a:ext>
+            </a:extLst>
+          </a:blip>
+          <a:stretch>
+            <a:fillRect/>
+          </a:stretch>
+        </p:blipFill>
+        <p:spPr>
+          <a:xfrm>
+            <a:off x="6382657" y="24967276"/>
+            <a:ext cx="16574565" cy="11881320"/>
+          </a:xfrm>
+          <a:prstGeom prst="rect">
+            <a:avLst/>
+          </a:prstGeom>
+        </p:spPr>
+      </p:pic>
+      <p:pic>
+        <p:nvPicPr>
+          <p:cNvPr id="34" name="Grafik 33" descr="Ein Bild, das Schaltkreis enthält.&#10;&#10;Automatisch generierte Beschreibung">
+            <a:extLst>
+              <a:ext uri="{FF2B5EF4-FFF2-40B4-BE49-F238E27FC236}">
+                <a16:creationId xmlns:a16="http://schemas.microsoft.com/office/drawing/2014/main" id="{1F59D346-68EF-48AA-BA75-3E4533F78CB9}"/>
+              </a:ext>
+            </a:extLst>
+          </p:cNvPr>
+          <p:cNvPicPr>
+            <a:picLocks noChangeAspect="1"/>
+          </p:cNvPicPr>
+          <p:nvPr/>
+        </p:nvPicPr>
+        <p:blipFill>
+          <a:blip r:embed="rId4" cstate="print">
+            <a:extLst>
+              <a:ext uri="{28A0092B-C50C-407E-A947-70E740481C1C}">
+                <a14:useLocalDpi xmlns:a14="http://schemas.microsoft.com/office/drawing/2010/main" val="0"/>
+              </a:ext>
+            </a:extLst>
+          </a:blip>
+          <a:stretch>
+            <a:fillRect/>
+          </a:stretch>
+        </p:blipFill>
+        <p:spPr>
+          <a:xfrm>
+            <a:off x="12836841" y="17869567"/>
+            <a:ext cx="3666194" cy="1775068"/>
+          </a:xfrm>
+          <a:prstGeom prst="rect">
+            <a:avLst/>
+          </a:prstGeom>
+        </p:spPr>
+      </p:pic>
     </p:spTree>
   </p:cSld>
   <p:clrMapOvr>
@@ -2815,15 +2875,6 @@
 </file>
 
 <file path=customXml/item1.xml><?xml version="1.0" encoding="utf-8"?>
-<?mso-contentType ?>
-<FormTemplates xmlns="http://schemas.microsoft.com/sharepoint/v3/contenttype/forms">
-  <Display>DocumentLibraryForm</Display>
-  <Edit>DocumentLibraryForm</Edit>
-  <New>DocumentLibraryForm</New>
-</FormTemplates>
-</file>
-
-<file path=customXml/item2.xml><?xml version="1.0" encoding="utf-8"?>
 <p:properties xmlns:p="http://schemas.microsoft.com/office/2006/metadata/properties" xmlns:xsi="http://www.w3.org/2001/XMLSchema-instance" xmlns:pc="http://schemas.microsoft.com/office/infopath/2007/PartnerControls">
   <documentManagement>
     <da5c1bd0341f43f485c16791cb0d4261 xmlns="c4a6de46-fff0-4b67-b5b8-134b059d306f">
@@ -2832,6 +2883,15 @@
     <TaxCatchAll xmlns="e4c5f5f2-958c-44bd-9179-f1c43ce55659"/>
   </documentManagement>
 </p:properties>
+</file>
+
+<file path=customXml/item2.xml><?xml version="1.0" encoding="utf-8"?>
+<?mso-contentType ?>
+<FormTemplates xmlns="http://schemas.microsoft.com/sharepoint/v3/contenttype/forms">
+  <Display>DocumentLibraryForm</Display>
+  <Edit>DocumentLibraryForm</Edit>
+  <New>DocumentLibraryForm</New>
+</FormTemplates>
 </file>
 
 <file path=customXml/item3.xml><?xml version="1.0" encoding="utf-8"?>
@@ -2992,14 +3052,6 @@
 </file>
 
 <file path=customXml/itemProps1.xml><?xml version="1.0" encoding="utf-8"?>
-<ds:datastoreItem xmlns:ds="http://schemas.openxmlformats.org/officeDocument/2006/customXml" ds:itemID="{142E819D-5874-4DBC-9B92-1796538D786B}">
-  <ds:schemaRefs>
-    <ds:schemaRef ds:uri="http://schemas.microsoft.com/sharepoint/v3/contenttype/forms"/>
-  </ds:schemaRefs>
-</ds:datastoreItem>
-</file>
-
-<file path=customXml/itemProps2.xml><?xml version="1.0" encoding="utf-8"?>
 <ds:datastoreItem xmlns:ds="http://schemas.openxmlformats.org/officeDocument/2006/customXml" ds:itemID="{C5733047-34C7-4893-B0A8-D1B8552E46D0}">
   <ds:schemaRefs>
     <ds:schemaRef ds:uri="http://schemas.microsoft.com/office/2006/metadata/properties"/>
@@ -3012,6 +3064,14 @@
     <ds:schemaRef ds:uri="http://schemas.openxmlformats.org/package/2006/metadata/core-properties"/>
     <ds:schemaRef ds:uri="http://www.w3.org/XML/1998/namespace"/>
     <ds:schemaRef ds:uri="http://purl.org/dc/dcmitype/"/>
+  </ds:schemaRefs>
+</ds:datastoreItem>
+</file>
+
+<file path=customXml/itemProps2.xml><?xml version="1.0" encoding="utf-8"?>
+<ds:datastoreItem xmlns:ds="http://schemas.openxmlformats.org/officeDocument/2006/customXml" ds:itemID="{142E819D-5874-4DBC-9B92-1796538D786B}">
+  <ds:schemaRefs>
+    <ds:schemaRef ds:uri="http://schemas.microsoft.com/sharepoint/v3/contenttype/forms"/>
   </ds:schemaRefs>
 </ds:datastoreItem>
 </file>

--- a/Poster/Poster_P6.pptx
+++ b/Poster/Poster_P6.pptx
@@ -1822,7 +1822,7 @@
         </p:blipFill>
         <p:spPr>
           <a:xfrm>
-            <a:off x="12836841" y="17869567"/>
+            <a:off x="13286253" y="17869567"/>
             <a:ext cx="3666194" cy="1775068"/>
           </a:xfrm>
           <a:prstGeom prst="rect">
@@ -2875,26 +2875,6 @@
 </file>
 
 <file path=customXml/item1.xml><?xml version="1.0" encoding="utf-8"?>
-<p:properties xmlns:p="http://schemas.microsoft.com/office/2006/metadata/properties" xmlns:xsi="http://www.w3.org/2001/XMLSchema-instance" xmlns:pc="http://schemas.microsoft.com/office/infopath/2007/PartnerControls">
-  <documentManagement>
-    <da5c1bd0341f43f485c16791cb0d4261 xmlns="c4a6de46-fff0-4b67-b5b8-134b059d306f">
-      <Terms xmlns="http://schemas.microsoft.com/office/infopath/2007/PartnerControls"/>
-    </da5c1bd0341f43f485c16791cb0d4261>
-    <TaxCatchAll xmlns="e4c5f5f2-958c-44bd-9179-f1c43ce55659"/>
-  </documentManagement>
-</p:properties>
-</file>
-
-<file path=customXml/item2.xml><?xml version="1.0" encoding="utf-8"?>
-<?mso-contentType ?>
-<FormTemplates xmlns="http://schemas.microsoft.com/sharepoint/v3/contenttype/forms">
-  <Display>DocumentLibraryForm</Display>
-  <Edit>DocumentLibraryForm</Edit>
-  <New>DocumentLibraryForm</New>
-</FormTemplates>
-</file>
-
-<file path=customXml/item3.xml><?xml version="1.0" encoding="utf-8"?>
 <ct:contentTypeSchema xmlns:ct="http://schemas.microsoft.com/office/2006/metadata/contentType" xmlns:ma="http://schemas.microsoft.com/office/2006/metadata/properties/metaAttributes" ct:_="" ma:_="" ma:contentTypeName="Dokumente Themengruppe" ma:contentTypeID="0x010100A280BD1F50BF264FB671D244962B2ECA0068E9B686BF45F24FB9EC1F49911B61EB" ma:contentTypeVersion="3" ma:contentTypeDescription="" ma:contentTypeScope="" ma:versionID="0a8dd9b638c56bffcef12644a15d3638">
   <xsd:schema xmlns:xsd="http://www.w3.org/2001/XMLSchema" xmlns:xs="http://www.w3.org/2001/XMLSchema" xmlns:p="http://schemas.microsoft.com/office/2006/metadata/properties" xmlns:ns2="c4a6de46-fff0-4b67-b5b8-134b059d306f" xmlns:ns3="e4c5f5f2-958c-44bd-9179-f1c43ce55659" targetNamespace="http://schemas.microsoft.com/office/2006/metadata/properties" ma:root="true" ma:fieldsID="5544fac13f74e606fb1ce610a2b826dc" ns2:_="" ns3:_="">
     <xsd:import namespace="c4a6de46-fff0-4b67-b5b8-134b059d306f"/>
@@ -3051,32 +3031,27 @@
 </ct:contentTypeSchema>
 </file>
 
-<file path=customXml/itemProps1.xml><?xml version="1.0" encoding="utf-8"?>
-<ds:datastoreItem xmlns:ds="http://schemas.openxmlformats.org/officeDocument/2006/customXml" ds:itemID="{C5733047-34C7-4893-B0A8-D1B8552E46D0}">
-  <ds:schemaRefs>
-    <ds:schemaRef ds:uri="http://schemas.microsoft.com/office/2006/metadata/properties"/>
-    <ds:schemaRef ds:uri="http://purl.org/dc/terms/"/>
-    <ds:schemaRef ds:uri="e4c5f5f2-958c-44bd-9179-f1c43ce55659"/>
-    <ds:schemaRef ds:uri="c4a6de46-fff0-4b67-b5b8-134b059d306f"/>
-    <ds:schemaRef ds:uri="http://schemas.microsoft.com/office/2006/documentManagement/types"/>
-    <ds:schemaRef ds:uri="http://schemas.microsoft.com/office/infopath/2007/PartnerControls"/>
-    <ds:schemaRef ds:uri="http://purl.org/dc/elements/1.1/"/>
-    <ds:schemaRef ds:uri="http://schemas.openxmlformats.org/package/2006/metadata/core-properties"/>
-    <ds:schemaRef ds:uri="http://www.w3.org/XML/1998/namespace"/>
-    <ds:schemaRef ds:uri="http://purl.org/dc/dcmitype/"/>
-  </ds:schemaRefs>
-</ds:datastoreItem>
+<file path=customXml/item2.xml><?xml version="1.0" encoding="utf-8"?>
+<?mso-contentType ?>
+<FormTemplates xmlns="http://schemas.microsoft.com/sharepoint/v3/contenttype/forms">
+  <Display>DocumentLibraryForm</Display>
+  <Edit>DocumentLibraryForm</Edit>
+  <New>DocumentLibraryForm</New>
+</FormTemplates>
 </file>
 
-<file path=customXml/itemProps2.xml><?xml version="1.0" encoding="utf-8"?>
-<ds:datastoreItem xmlns:ds="http://schemas.openxmlformats.org/officeDocument/2006/customXml" ds:itemID="{142E819D-5874-4DBC-9B92-1796538D786B}">
-  <ds:schemaRefs>
-    <ds:schemaRef ds:uri="http://schemas.microsoft.com/sharepoint/v3/contenttype/forms"/>
-  </ds:schemaRefs>
-</ds:datastoreItem>
+<file path=customXml/item3.xml><?xml version="1.0" encoding="utf-8"?>
+<p:properties xmlns:p="http://schemas.microsoft.com/office/2006/metadata/properties" xmlns:xsi="http://www.w3.org/2001/XMLSchema-instance" xmlns:pc="http://schemas.microsoft.com/office/infopath/2007/PartnerControls">
+  <documentManagement>
+    <da5c1bd0341f43f485c16791cb0d4261 xmlns="c4a6de46-fff0-4b67-b5b8-134b059d306f">
+      <Terms xmlns="http://schemas.microsoft.com/office/infopath/2007/PartnerControls"/>
+    </da5c1bd0341f43f485c16791cb0d4261>
+    <TaxCatchAll xmlns="e4c5f5f2-958c-44bd-9179-f1c43ce55659"/>
+  </documentManagement>
+</p:properties>
 </file>
 
-<file path=customXml/itemProps3.xml><?xml version="1.0" encoding="utf-8"?>
+<file path=customXml/itemProps1.xml><?xml version="1.0" encoding="utf-8"?>
 <ds:datastoreItem xmlns:ds="http://schemas.openxmlformats.org/officeDocument/2006/customXml" ds:itemID="{A1AAD0FD-F2D6-4F66-8ABE-C522907F082E}">
   <ds:schemaRefs>
     <ds:schemaRef ds:uri="http://schemas.microsoft.com/office/2006/metadata/contentType"/>
@@ -3093,4 +3068,29 @@
     <ds:schemaRef ds:uri="http://schemas.microsoft.com/internal/obd"/>
   </ds:schemaRefs>
 </ds:datastoreItem>
+</file>
+
+<file path=customXml/itemProps2.xml><?xml version="1.0" encoding="utf-8"?>
+<ds:datastoreItem xmlns:ds="http://schemas.openxmlformats.org/officeDocument/2006/customXml" ds:itemID="{142E819D-5874-4DBC-9B92-1796538D786B}">
+  <ds:schemaRefs>
+    <ds:schemaRef ds:uri="http://schemas.microsoft.com/sharepoint/v3/contenttype/forms"/>
+  </ds:schemaRefs>
+</ds:datastoreItem>
+</file>
+
+<file path=customXml/itemProps3.xml><?xml version="1.0" encoding="utf-8"?>
+<ds:datastoreItem xmlns:ds="http://schemas.openxmlformats.org/officeDocument/2006/customXml" ds:itemID="{C5733047-34C7-4893-B0A8-D1B8552E46D0}">
+  <ds:schemaRefs>
+    <ds:schemaRef ds:uri="http://schemas.microsoft.com/office/2006/metadata/properties"/>
+    <ds:schemaRef ds:uri="http://purl.org/dc/terms/"/>
+    <ds:schemaRef ds:uri="e4c5f5f2-958c-44bd-9179-f1c43ce55659"/>
+    <ds:schemaRef ds:uri="c4a6de46-fff0-4b67-b5b8-134b059d306f"/>
+    <ds:schemaRef ds:uri="http://schemas.microsoft.com/office/2006/documentManagement/types"/>
+    <ds:schemaRef ds:uri="http://schemas.microsoft.com/office/infopath/2007/PartnerControls"/>
+    <ds:schemaRef ds:uri="http://purl.org/dc/elements/1.1/"/>
+    <ds:schemaRef ds:uri="http://schemas.openxmlformats.org/package/2006/metadata/core-properties"/>
+    <ds:schemaRef ds:uri="http://www.w3.org/XML/1998/namespace"/>
+    <ds:schemaRef ds:uri="http://purl.org/dc/dcmitype/"/>
+  </ds:schemaRefs>
+</ds:datastoreItem>
 </file>
--- a/Poster/Poster_P6.pptx
+++ b/Poster/Poster_P6.pptx
@@ -249,7 +249,7 @@
             <a:fld id="{E0CB49EE-D745-4049-B24A-C302CD2E0FA2}" type="datetimeFigureOut">
               <a:rPr lang="de-DE" smtClean="0"/>
               <a:pPr/>
-              <a:t>22.08.2020</a:t>
+              <a:t>25.08.2020</a:t>
             </a:fld>
             <a:endParaRPr lang="de-DE" dirty="0"/>
           </a:p>
@@ -1225,10 +1225,10 @@
                 <a:ea typeface="+mn-ea"/>
                 <a:cs typeface="+mn-cs"/>
               </a:rPr>
-              <a:t> 			</a:t>
-            </a:r>
-            <a:r>
-              <a:rPr kumimoji="0" lang="de-CH" sz="3600" i="0" u="none" strike="noStrike" kern="0" cap="none" spc="0" normalizeH="0" noProof="0" dirty="0">
+              <a:t> 		</a:t>
+            </a:r>
+            <a:r>
+              <a:rPr kumimoji="0" lang="de-CH" sz="3600" b="1" i="0" u="none" strike="noStrike" kern="0" cap="none" spc="0" normalizeH="0" noProof="0">
                 <a:ln>
                   <a:noFill/>
                 </a:ln>
@@ -1242,8 +1242,34 @@
                 <a:ea typeface="+mn-ea"/>
                 <a:cs typeface="+mn-cs"/>
               </a:rPr>
-              <a:t>-</a:t>
-            </a:r>
+              <a:t>	</a:t>
+            </a:r>
+            <a:r>
+              <a:rPr lang="de-CH" sz="3600" kern="0"/>
+              <a:t>Albert</a:t>
+            </a:r>
+            <a:r>
+              <a:rPr lang="de-CH" sz="3600" b="1" kern="0"/>
+              <a:t> </a:t>
+            </a:r>
+            <a:r>
+              <a:rPr lang="de-CH" sz="3600" kern="0"/>
+              <a:t>Zihlmann</a:t>
+            </a:r>
+            <a:endParaRPr kumimoji="0" lang="de-CH" sz="3600" i="0" u="none" strike="noStrike" kern="0" cap="none" spc="0" normalizeH="0" noProof="0" dirty="0">
+              <a:ln>
+                <a:noFill/>
+              </a:ln>
+              <a:solidFill>
+                <a:schemeClr val="tx1"/>
+              </a:solidFill>
+              <a:effectLst/>
+              <a:uLnTx/>
+              <a:uFillTx/>
+              <a:latin typeface="+mn-lt"/>
+              <a:ea typeface="+mn-ea"/>
+              <a:cs typeface="+mn-cs"/>
+            </a:endParaRPr>
           </a:p>
           <a:p>
             <a:pPr marL="1573568" lvl="0" indent="-1573568">
@@ -2875,6 +2901,26 @@
 </file>
 
 <file path=customXml/item1.xml><?xml version="1.0" encoding="utf-8"?>
+<p:properties xmlns:p="http://schemas.microsoft.com/office/2006/metadata/properties" xmlns:xsi="http://www.w3.org/2001/XMLSchema-instance" xmlns:pc="http://schemas.microsoft.com/office/infopath/2007/PartnerControls">
+  <documentManagement>
+    <da5c1bd0341f43f485c16791cb0d4261 xmlns="c4a6de46-fff0-4b67-b5b8-134b059d306f">
+      <Terms xmlns="http://schemas.microsoft.com/office/infopath/2007/PartnerControls"/>
+    </da5c1bd0341f43f485c16791cb0d4261>
+    <TaxCatchAll xmlns="e4c5f5f2-958c-44bd-9179-f1c43ce55659"/>
+  </documentManagement>
+</p:properties>
+</file>
+
+<file path=customXml/item2.xml><?xml version="1.0" encoding="utf-8"?>
+<?mso-contentType ?>
+<FormTemplates xmlns="http://schemas.microsoft.com/sharepoint/v3/contenttype/forms">
+  <Display>DocumentLibraryForm</Display>
+  <Edit>DocumentLibraryForm</Edit>
+  <New>DocumentLibraryForm</New>
+</FormTemplates>
+</file>
+
+<file path=customXml/item3.xml><?xml version="1.0" encoding="utf-8"?>
 <ct:contentTypeSchema xmlns:ct="http://schemas.microsoft.com/office/2006/metadata/contentType" xmlns:ma="http://schemas.microsoft.com/office/2006/metadata/properties/metaAttributes" ct:_="" ma:_="" ma:contentTypeName="Dokumente Themengruppe" ma:contentTypeID="0x010100A280BD1F50BF264FB671D244962B2ECA0068E9B686BF45F24FB9EC1F49911B61EB" ma:contentTypeVersion="3" ma:contentTypeDescription="" ma:contentTypeScope="" ma:versionID="0a8dd9b638c56bffcef12644a15d3638">
   <xsd:schema xmlns:xsd="http://www.w3.org/2001/XMLSchema" xmlns:xs="http://www.w3.org/2001/XMLSchema" xmlns:p="http://schemas.microsoft.com/office/2006/metadata/properties" xmlns:ns2="c4a6de46-fff0-4b67-b5b8-134b059d306f" xmlns:ns3="e4c5f5f2-958c-44bd-9179-f1c43ce55659" targetNamespace="http://schemas.microsoft.com/office/2006/metadata/properties" ma:root="true" ma:fieldsID="5544fac13f74e606fb1ce610a2b826dc" ns2:_="" ns3:_="">
     <xsd:import namespace="c4a6de46-fff0-4b67-b5b8-134b059d306f"/>
@@ -3031,27 +3077,32 @@
 </ct:contentTypeSchema>
 </file>
 
-<file path=customXml/item2.xml><?xml version="1.0" encoding="utf-8"?>
-<?mso-contentType ?>
-<FormTemplates xmlns="http://schemas.microsoft.com/sharepoint/v3/contenttype/forms">
-  <Display>DocumentLibraryForm</Display>
-  <Edit>DocumentLibraryForm</Edit>
-  <New>DocumentLibraryForm</New>
-</FormTemplates>
+<file path=customXml/itemProps1.xml><?xml version="1.0" encoding="utf-8"?>
+<ds:datastoreItem xmlns:ds="http://schemas.openxmlformats.org/officeDocument/2006/customXml" ds:itemID="{C5733047-34C7-4893-B0A8-D1B8552E46D0}">
+  <ds:schemaRefs>
+    <ds:schemaRef ds:uri="http://schemas.microsoft.com/office/2006/metadata/properties"/>
+    <ds:schemaRef ds:uri="http://purl.org/dc/terms/"/>
+    <ds:schemaRef ds:uri="e4c5f5f2-958c-44bd-9179-f1c43ce55659"/>
+    <ds:schemaRef ds:uri="c4a6de46-fff0-4b67-b5b8-134b059d306f"/>
+    <ds:schemaRef ds:uri="http://schemas.microsoft.com/office/2006/documentManagement/types"/>
+    <ds:schemaRef ds:uri="http://schemas.microsoft.com/office/infopath/2007/PartnerControls"/>
+    <ds:schemaRef ds:uri="http://purl.org/dc/elements/1.1/"/>
+    <ds:schemaRef ds:uri="http://schemas.openxmlformats.org/package/2006/metadata/core-properties"/>
+    <ds:schemaRef ds:uri="http://www.w3.org/XML/1998/namespace"/>
+    <ds:schemaRef ds:uri="http://purl.org/dc/dcmitype/"/>
+  </ds:schemaRefs>
+</ds:datastoreItem>
 </file>
 
-<file path=customXml/item3.xml><?xml version="1.0" encoding="utf-8"?>
-<p:properties xmlns:p="http://schemas.microsoft.com/office/2006/metadata/properties" xmlns:xsi="http://www.w3.org/2001/XMLSchema-instance" xmlns:pc="http://schemas.microsoft.com/office/infopath/2007/PartnerControls">
-  <documentManagement>
-    <da5c1bd0341f43f485c16791cb0d4261 xmlns="c4a6de46-fff0-4b67-b5b8-134b059d306f">
-      <Terms xmlns="http://schemas.microsoft.com/office/infopath/2007/PartnerControls"/>
-    </da5c1bd0341f43f485c16791cb0d4261>
-    <TaxCatchAll xmlns="e4c5f5f2-958c-44bd-9179-f1c43ce55659"/>
-  </documentManagement>
-</p:properties>
+<file path=customXml/itemProps2.xml><?xml version="1.0" encoding="utf-8"?>
+<ds:datastoreItem xmlns:ds="http://schemas.openxmlformats.org/officeDocument/2006/customXml" ds:itemID="{142E819D-5874-4DBC-9B92-1796538D786B}">
+  <ds:schemaRefs>
+    <ds:schemaRef ds:uri="http://schemas.microsoft.com/sharepoint/v3/contenttype/forms"/>
+  </ds:schemaRefs>
+</ds:datastoreItem>
 </file>
 
-<file path=customXml/itemProps1.xml><?xml version="1.0" encoding="utf-8"?>
+<file path=customXml/itemProps3.xml><?xml version="1.0" encoding="utf-8"?>
 <ds:datastoreItem xmlns:ds="http://schemas.openxmlformats.org/officeDocument/2006/customXml" ds:itemID="{A1AAD0FD-F2D6-4F66-8ABE-C522907F082E}">
   <ds:schemaRefs>
     <ds:schemaRef ds:uri="http://schemas.microsoft.com/office/2006/metadata/contentType"/>
@@ -3068,29 +3119,4 @@
     <ds:schemaRef ds:uri="http://schemas.microsoft.com/internal/obd"/>
   </ds:schemaRefs>
 </ds:datastoreItem>
-</file>
-
-<file path=customXml/itemProps2.xml><?xml version="1.0" encoding="utf-8"?>
-<ds:datastoreItem xmlns:ds="http://schemas.openxmlformats.org/officeDocument/2006/customXml" ds:itemID="{142E819D-5874-4DBC-9B92-1796538D786B}">
-  <ds:schemaRefs>
-    <ds:schemaRef ds:uri="http://schemas.microsoft.com/sharepoint/v3/contenttype/forms"/>
-  </ds:schemaRefs>
-</ds:datastoreItem>
-</file>
-
-<file path=customXml/itemProps3.xml><?xml version="1.0" encoding="utf-8"?>
-<ds:datastoreItem xmlns:ds="http://schemas.openxmlformats.org/officeDocument/2006/customXml" ds:itemID="{C5733047-34C7-4893-B0A8-D1B8552E46D0}">
-  <ds:schemaRefs>
-    <ds:schemaRef ds:uri="http://schemas.microsoft.com/office/2006/metadata/properties"/>
-    <ds:schemaRef ds:uri="http://purl.org/dc/terms/"/>
-    <ds:schemaRef ds:uri="e4c5f5f2-958c-44bd-9179-f1c43ce55659"/>
-    <ds:schemaRef ds:uri="c4a6de46-fff0-4b67-b5b8-134b059d306f"/>
-    <ds:schemaRef ds:uri="http://schemas.microsoft.com/office/2006/documentManagement/types"/>
-    <ds:schemaRef ds:uri="http://schemas.microsoft.com/office/infopath/2007/PartnerControls"/>
-    <ds:schemaRef ds:uri="http://purl.org/dc/elements/1.1/"/>
-    <ds:schemaRef ds:uri="http://schemas.openxmlformats.org/package/2006/metadata/core-properties"/>
-    <ds:schemaRef ds:uri="http://www.w3.org/XML/1998/namespace"/>
-    <ds:schemaRef ds:uri="http://purl.org/dc/dcmitype/"/>
-  </ds:schemaRefs>
-</ds:datastoreItem>
 </file>
--- a/Poster/Poster_P6.pptx
+++ b/Poster/Poster_P6.pptx
@@ -1118,7 +1118,7 @@
               <a:rPr lang="de-CH" sz="3600" kern="0" dirty="0">
                 <a:latin typeface="+mn-lt"/>
               </a:rPr>
-              <a:t>Elektro – und Informationstechnik FS19</a:t>
+              <a:t>Elektro – und Informationstechnik FS20</a:t>
             </a:r>
           </a:p>
           <a:p>
@@ -1225,35 +1225,18 @@
                 <a:ea typeface="+mn-ea"/>
                 <a:cs typeface="+mn-cs"/>
               </a:rPr>
-              <a:t> 		</a:t>
-            </a:r>
-            <a:r>
-              <a:rPr kumimoji="0" lang="de-CH" sz="3600" b="1" i="0" u="none" strike="noStrike" kern="0" cap="none" spc="0" normalizeH="0" noProof="0">
-                <a:ln>
-                  <a:noFill/>
-                </a:ln>
-                <a:solidFill>
-                  <a:schemeClr val="tx1"/>
-                </a:solidFill>
-                <a:effectLst/>
-                <a:uLnTx/>
-                <a:uFillTx/>
-                <a:latin typeface="+mn-lt"/>
-                <a:ea typeface="+mn-ea"/>
-                <a:cs typeface="+mn-cs"/>
-              </a:rPr>
-              <a:t>	</a:t>
-            </a:r>
-            <a:r>
-              <a:rPr lang="de-CH" sz="3600" kern="0"/>
+              <a:t> 			</a:t>
+            </a:r>
+            <a:r>
+              <a:rPr lang="de-CH" sz="3600" kern="0" dirty="0"/>
               <a:t>Albert</a:t>
             </a:r>
             <a:r>
-              <a:rPr lang="de-CH" sz="3600" b="1" kern="0"/>
+              <a:rPr lang="de-CH" sz="3600" b="1" kern="0" dirty="0"/>
               <a:t> </a:t>
             </a:r>
             <a:r>
-              <a:rPr lang="de-CH" sz="3600" kern="0"/>
+              <a:rPr lang="de-CH" sz="3600" kern="0" dirty="0"/>
               <a:t>Zihlmann</a:t>
             </a:r>
             <a:endParaRPr kumimoji="0" lang="de-CH" sz="3600" i="0" u="none" strike="noStrike" kern="0" cap="none" spc="0" normalizeH="0" noProof="0" dirty="0">
@@ -1646,7 +1629,7 @@
             <a:r>
               <a:rPr lang="de-CH" sz="3200" dirty="0">
                 <a:solidFill>
-                  <a:srgbClr val="00B0F0"/>
+                  <a:schemeClr val="tx1"/>
                 </a:solidFill>
               </a:rPr>
               <a:t>Es soll, mittels eines WLAN-Netzwerkes, eine preisgünstige Raumautomation ermöglicht werden.</a:t>
@@ -1660,7 +1643,7 @@
             <a:r>
               <a:rPr lang="de-CH" sz="3200" dirty="0">
                 <a:solidFill>
-                  <a:srgbClr val="00B0F0"/>
+                  <a:schemeClr val="tx1"/>
                 </a:solidFill>
               </a:rPr>
               <a:t>Mit dem Netzwerk verbunden sind der Raspberry Pi Server sowie der Aktor- und Sensorbaustein.</a:t>
@@ -1674,7 +1657,7 @@
             <a:r>
               <a:rPr lang="de-CH" sz="3200" dirty="0">
                 <a:solidFill>
-                  <a:srgbClr val="00B0F0"/>
+                  <a:schemeClr val="tx1"/>
                 </a:solidFill>
               </a:rPr>
               <a:t>Sensoren und Aktoren können an den </a:t>
@@ -1682,7 +1665,7 @@
             <a:r>
               <a:rPr lang="de-CH" sz="3200" dirty="0" err="1">
                 <a:solidFill>
-                  <a:srgbClr val="00B0F0"/>
+                  <a:schemeClr val="tx1"/>
                 </a:solidFill>
               </a:rPr>
               <a:t>Aktorbaustein</a:t>
@@ -1690,7 +1673,7 @@
             <a:r>
               <a:rPr lang="de-CH" sz="3200" dirty="0">
                 <a:solidFill>
-                  <a:srgbClr val="00B0F0"/>
+                  <a:schemeClr val="tx1"/>
                 </a:solidFill>
               </a:rPr>
               <a:t> angeschlossen werden, um sie in die Raumautomation zu integrieren. </a:t>
@@ -1704,7 +1687,7 @@
             <a:r>
               <a:rPr lang="de-CH" sz="3200" dirty="0">
                 <a:solidFill>
-                  <a:srgbClr val="00B0F0"/>
+                  <a:schemeClr val="tx1"/>
                 </a:solidFill>
               </a:rPr>
               <a:t>Der Sensorbaustein nimmt die Temperatur und Tastsignale auf, damit können Aktoren geschaltet werden.</a:t>
@@ -1718,7 +1701,7 @@
             <a:r>
               <a:rPr lang="de-CH" sz="3200" dirty="0">
                 <a:solidFill>
-                  <a:srgbClr val="00B0F0"/>
+                  <a:schemeClr val="tx1"/>
                 </a:solidFill>
               </a:rPr>
               <a:t>Mithilfe einer Sprachsteuerung lässt sich zusätzlich der Komfort einer Raumautomation steigern.</a:t>
@@ -1732,7 +1715,7 @@
             <a:r>
               <a:rPr lang="de-CH" sz="3200" dirty="0">
                 <a:solidFill>
-                  <a:srgbClr val="00B0F0"/>
+                  <a:schemeClr val="tx1"/>
                 </a:solidFill>
               </a:rPr>
               <a:t>Es ist möglich mit einem Mobiltelefon oder PC in die Raumautomation zu verwalten.</a:t>
@@ -1746,15 +1729,15 @@
             <a:r>
               <a:rPr lang="de-CH" sz="3200" dirty="0">
                 <a:solidFill>
-                  <a:srgbClr val="00B050"/>
+                  <a:schemeClr val="tx1"/>
                 </a:solidFill>
               </a:rPr>
-              <a:t>Der Sensorbaustein wird wie eine Steckdose verbaut und bietet vier </a:t>
+              <a:t>Der Sensorbaustein wird wie ein Lichtschalter verbaut und bietet vier </a:t>
             </a:r>
             <a:r>
               <a:rPr lang="de-CH" sz="3200" dirty="0" err="1">
                 <a:solidFill>
-                  <a:srgbClr val="00B050"/>
+                  <a:schemeClr val="tx1"/>
                 </a:solidFill>
               </a:rPr>
               <a:t>Touchtasten</a:t>
@@ -1762,7 +1745,7 @@
             <a:r>
               <a:rPr lang="de-CH" sz="3200" dirty="0">
                 <a:solidFill>
-                  <a:srgbClr val="00B050"/>
+                  <a:schemeClr val="tx1"/>
                 </a:solidFill>
               </a:rPr>
               <a:t> an (neues Design).</a:t>
@@ -1776,7 +1759,7 @@
             <a:r>
               <a:rPr lang="de-CH" sz="3200" dirty="0">
                 <a:solidFill>
-                  <a:srgbClr val="7030A0"/>
+                  <a:schemeClr val="tx1"/>
                 </a:solidFill>
               </a:rPr>
               <a:t>Es lässt sich jeder bestehender Raum mithilfe dieser günstigen Raumautomationsplattform aufrüsten.</a:t>
@@ -2901,26 +2884,6 @@
 </file>
 
 <file path=customXml/item1.xml><?xml version="1.0" encoding="utf-8"?>
-<p:properties xmlns:p="http://schemas.microsoft.com/office/2006/metadata/properties" xmlns:xsi="http://www.w3.org/2001/XMLSchema-instance" xmlns:pc="http://schemas.microsoft.com/office/infopath/2007/PartnerControls">
-  <documentManagement>
-    <da5c1bd0341f43f485c16791cb0d4261 xmlns="c4a6de46-fff0-4b67-b5b8-134b059d306f">
-      <Terms xmlns="http://schemas.microsoft.com/office/infopath/2007/PartnerControls"/>
-    </da5c1bd0341f43f485c16791cb0d4261>
-    <TaxCatchAll xmlns="e4c5f5f2-958c-44bd-9179-f1c43ce55659"/>
-  </documentManagement>
-</p:properties>
-</file>
-
-<file path=customXml/item2.xml><?xml version="1.0" encoding="utf-8"?>
-<?mso-contentType ?>
-<FormTemplates xmlns="http://schemas.microsoft.com/sharepoint/v3/contenttype/forms">
-  <Display>DocumentLibraryForm</Display>
-  <Edit>DocumentLibraryForm</Edit>
-  <New>DocumentLibraryForm</New>
-</FormTemplates>
-</file>
-
-<file path=customXml/item3.xml><?xml version="1.0" encoding="utf-8"?>
 <ct:contentTypeSchema xmlns:ct="http://schemas.microsoft.com/office/2006/metadata/contentType" xmlns:ma="http://schemas.microsoft.com/office/2006/metadata/properties/metaAttributes" ct:_="" ma:_="" ma:contentTypeName="Dokumente Themengruppe" ma:contentTypeID="0x010100A280BD1F50BF264FB671D244962B2ECA0068E9B686BF45F24FB9EC1F49911B61EB" ma:contentTypeVersion="3" ma:contentTypeDescription="" ma:contentTypeScope="" ma:versionID="0a8dd9b638c56bffcef12644a15d3638">
   <xsd:schema xmlns:xsd="http://www.w3.org/2001/XMLSchema" xmlns:xs="http://www.w3.org/2001/XMLSchema" xmlns:p="http://schemas.microsoft.com/office/2006/metadata/properties" xmlns:ns2="c4a6de46-fff0-4b67-b5b8-134b059d306f" xmlns:ns3="e4c5f5f2-958c-44bd-9179-f1c43ce55659" targetNamespace="http://schemas.microsoft.com/office/2006/metadata/properties" ma:root="true" ma:fieldsID="5544fac13f74e606fb1ce610a2b826dc" ns2:_="" ns3:_="">
     <xsd:import namespace="c4a6de46-fff0-4b67-b5b8-134b059d306f"/>
@@ -3077,32 +3040,27 @@
 </ct:contentTypeSchema>
 </file>
 
-<file path=customXml/itemProps1.xml><?xml version="1.0" encoding="utf-8"?>
-<ds:datastoreItem xmlns:ds="http://schemas.openxmlformats.org/officeDocument/2006/customXml" ds:itemID="{C5733047-34C7-4893-B0A8-D1B8552E46D0}">
-  <ds:schemaRefs>
-    <ds:schemaRef ds:uri="http://schemas.microsoft.com/office/2006/metadata/properties"/>
-    <ds:schemaRef ds:uri="http://purl.org/dc/terms/"/>
-    <ds:schemaRef ds:uri="e4c5f5f2-958c-44bd-9179-f1c43ce55659"/>
-    <ds:schemaRef ds:uri="c4a6de46-fff0-4b67-b5b8-134b059d306f"/>
-    <ds:schemaRef ds:uri="http://schemas.microsoft.com/office/2006/documentManagement/types"/>
-    <ds:schemaRef ds:uri="http://schemas.microsoft.com/office/infopath/2007/PartnerControls"/>
-    <ds:schemaRef ds:uri="http://purl.org/dc/elements/1.1/"/>
-    <ds:schemaRef ds:uri="http://schemas.openxmlformats.org/package/2006/metadata/core-properties"/>
-    <ds:schemaRef ds:uri="http://www.w3.org/XML/1998/namespace"/>
-    <ds:schemaRef ds:uri="http://purl.org/dc/dcmitype/"/>
-  </ds:schemaRefs>
-</ds:datastoreItem>
+<file path=customXml/item2.xml><?xml version="1.0" encoding="utf-8"?>
+<?mso-contentType ?>
+<FormTemplates xmlns="http://schemas.microsoft.com/sharepoint/v3/contenttype/forms">
+  <Display>DocumentLibraryForm</Display>
+  <Edit>DocumentLibraryForm</Edit>
+  <New>DocumentLibraryForm</New>
+</FormTemplates>
 </file>
 
-<file path=customXml/itemProps2.xml><?xml version="1.0" encoding="utf-8"?>
-<ds:datastoreItem xmlns:ds="http://schemas.openxmlformats.org/officeDocument/2006/customXml" ds:itemID="{142E819D-5874-4DBC-9B92-1796538D786B}">
-  <ds:schemaRefs>
-    <ds:schemaRef ds:uri="http://schemas.microsoft.com/sharepoint/v3/contenttype/forms"/>
-  </ds:schemaRefs>
-</ds:datastoreItem>
+<file path=customXml/item3.xml><?xml version="1.0" encoding="utf-8"?>
+<p:properties xmlns:p="http://schemas.microsoft.com/office/2006/metadata/properties" xmlns:xsi="http://www.w3.org/2001/XMLSchema-instance" xmlns:pc="http://schemas.microsoft.com/office/infopath/2007/PartnerControls">
+  <documentManagement>
+    <da5c1bd0341f43f485c16791cb0d4261 xmlns="c4a6de46-fff0-4b67-b5b8-134b059d306f">
+      <Terms xmlns="http://schemas.microsoft.com/office/infopath/2007/PartnerControls"/>
+    </da5c1bd0341f43f485c16791cb0d4261>
+    <TaxCatchAll xmlns="e4c5f5f2-958c-44bd-9179-f1c43ce55659"/>
+  </documentManagement>
+</p:properties>
 </file>
 
-<file path=customXml/itemProps3.xml><?xml version="1.0" encoding="utf-8"?>
+<file path=customXml/itemProps1.xml><?xml version="1.0" encoding="utf-8"?>
 <ds:datastoreItem xmlns:ds="http://schemas.openxmlformats.org/officeDocument/2006/customXml" ds:itemID="{A1AAD0FD-F2D6-4F66-8ABE-C522907F082E}">
   <ds:schemaRefs>
     <ds:schemaRef ds:uri="http://schemas.microsoft.com/office/2006/metadata/contentType"/>
@@ -3119,4 +3077,29 @@
     <ds:schemaRef ds:uri="http://schemas.microsoft.com/internal/obd"/>
   </ds:schemaRefs>
 </ds:datastoreItem>
+</file>
+
+<file path=customXml/itemProps2.xml><?xml version="1.0" encoding="utf-8"?>
+<ds:datastoreItem xmlns:ds="http://schemas.openxmlformats.org/officeDocument/2006/customXml" ds:itemID="{142E819D-5874-4DBC-9B92-1796538D786B}">
+  <ds:schemaRefs>
+    <ds:schemaRef ds:uri="http://schemas.microsoft.com/sharepoint/v3/contenttype/forms"/>
+  </ds:schemaRefs>
+</ds:datastoreItem>
+</file>
+
+<file path=customXml/itemProps3.xml><?xml version="1.0" encoding="utf-8"?>
+<ds:datastoreItem xmlns:ds="http://schemas.openxmlformats.org/officeDocument/2006/customXml" ds:itemID="{C5733047-34C7-4893-B0A8-D1B8552E46D0}">
+  <ds:schemaRefs>
+    <ds:schemaRef ds:uri="http://schemas.microsoft.com/office/2006/metadata/properties"/>
+    <ds:schemaRef ds:uri="http://purl.org/dc/terms/"/>
+    <ds:schemaRef ds:uri="e4c5f5f2-958c-44bd-9179-f1c43ce55659"/>
+    <ds:schemaRef ds:uri="c4a6de46-fff0-4b67-b5b8-134b059d306f"/>
+    <ds:schemaRef ds:uri="http://schemas.microsoft.com/office/2006/documentManagement/types"/>
+    <ds:schemaRef ds:uri="http://schemas.microsoft.com/office/infopath/2007/PartnerControls"/>
+    <ds:schemaRef ds:uri="http://purl.org/dc/elements/1.1/"/>
+    <ds:schemaRef ds:uri="http://schemas.openxmlformats.org/package/2006/metadata/core-properties"/>
+    <ds:schemaRef ds:uri="http://www.w3.org/XML/1998/namespace"/>
+    <ds:schemaRef ds:uri="http://purl.org/dc/dcmitype/"/>
+  </ds:schemaRefs>
+</ds:datastoreItem>
 </file>